--- a/4. Hands-on Modules/Power BI Service/1. Introduction to Power BI Service.pptx
+++ b/4. Hands-on Modules/Power BI Service/1. Introduction to Power BI Service.pptx
@@ -6,16 +6,19 @@
     <p:sldMasterId id="2147483665" r:id="rId5"/>
   </p:sldMasterIdLst>
   <p:notesMasterIdLst>
-    <p:notesMasterId r:id="rId13"/>
+    <p:notesMasterId r:id="rId16"/>
   </p:notesMasterIdLst>
   <p:sldIdLst>
     <p:sldId id="300" r:id="rId6"/>
     <p:sldId id="312" r:id="rId7"/>
     <p:sldId id="323" r:id="rId8"/>
     <p:sldId id="324" r:id="rId9"/>
-    <p:sldId id="265" r:id="rId10"/>
-    <p:sldId id="333" r:id="rId11"/>
-    <p:sldId id="315" r:id="rId12"/>
+    <p:sldId id="335" r:id="rId10"/>
+    <p:sldId id="336" r:id="rId11"/>
+    <p:sldId id="263" r:id="rId12"/>
+    <p:sldId id="334" r:id="rId13"/>
+    <p:sldId id="333" r:id="rId14"/>
+    <p:sldId id="315" r:id="rId15"/>
   </p:sldIdLst>
   <p:sldSz cx="12192000" cy="6858000"/>
   <p:notesSz cx="6858000" cy="9144000"/>
@@ -213,7 +216,7 @@
           <a:p>
             <a:fld id="{52A13B17-C506-4D51-BB37-16B365906619}" type="datetimeFigureOut">
               <a:rPr lang="en-US" smtClean="0"/>
-              <a:t>2/27/2019</a:t>
+              <a:t>3/4/2019</a:t>
             </a:fld>
             <a:endParaRPr lang="en-US"/>
           </a:p>
@@ -762,7 +765,7 @@
           <a:p>
             <a:fld id="{35A2D088-BDBD-41A5-ADCE-5C6A4DC08057}" type="datetime8">
               <a:rPr lang="en-US" smtClean="0"/>
-              <a:t>2/27/2019 7:04 PM</a:t>
+              <a:t>3/4/2019 12:14 PM</a:t>
             </a:fld>
             <a:endParaRPr lang="en-US" dirty="0"/>
           </a:p>
@@ -1027,7 +1030,7 @@
           <a:p>
             <a:fld id="{35A2D088-BDBD-41A5-ADCE-5C6A4DC08057}" type="datetime8">
               <a:rPr lang="en-US" smtClean="0"/>
-              <a:t>2/27/2019 7:04 PM</a:t>
+              <a:t>3/4/2019 12:14 PM</a:t>
             </a:fld>
             <a:endParaRPr lang="en-US" dirty="0"/>
           </a:p>
@@ -1051,7 +1054,7 @@
             <a:fld id="{B4008EB6-D09E-4580-8CD6-DDB14511944F}" type="slidenum">
               <a:rPr lang="en-US" smtClean="0"/>
               <a:pPr/>
-              <a:t>6</a:t>
+              <a:t>9</a:t>
             </a:fld>
             <a:endParaRPr lang="en-US" dirty="0"/>
           </a:p>
@@ -1177,7 +1180,7 @@
                   <a:prstClr val="black"/>
                 </a:solidFill>
               </a:rPr>
-              <a:t>2/27/2019 7:04 PM</a:t>
+              <a:t>3/4/2019 12:14 PM</a:t>
             </a:fld>
             <a:endParaRPr lang="en-US" dirty="0">
               <a:solidFill>
@@ -1209,7 +1212,7 @@
                 </a:solidFill>
               </a:rPr>
               <a:pPr/>
-              <a:t>7</a:t>
+              <a:t>10</a:t>
             </a:fld>
             <a:endParaRPr lang="en-US" dirty="0">
               <a:solidFill>
@@ -11323,7 +11326,7 @@
             <a:fld id="{2E809A50-B28D-413A-915D-87F91E5248C6}" type="datetimeFigureOut">
               <a:rPr lang="en-US" smtClean="0"/>
               <a:pPr/>
-              <a:t>2/27/2019</a:t>
+              <a:t>3/4/2019</a:t>
             </a:fld>
             <a:endParaRPr lang="en-US"/>
           </a:p>
@@ -11510,7 +11513,7 @@
           <a:p>
             <a:fld id="{1279C872-40C5-4778-A459-913B2790679C}" type="datetimeFigureOut">
               <a:rPr lang="en-US" smtClean="0"/>
-              <a:t>2/27/2019</a:t>
+              <a:t>3/4/2019</a:t>
             </a:fld>
             <a:endParaRPr lang="en-US"/>
           </a:p>
@@ -11574,6 +11577,271 @@
     <p:extLst>
       <p:ext uri="{BB962C8B-B14F-4D97-AF65-F5344CB8AC3E}">
         <p14:creationId xmlns:p14="http://schemas.microsoft.com/office/powerpoint/2010/main" val="413498581"/>
+      </p:ext>
+    </p:extLst>
+  </p:cSld>
+  <p:clrMapOvr>
+    <a:masterClrMapping/>
+  </p:clrMapOvr>
+</p:sldLayout>
+</file>
+
+<file path=ppt/slideLayouts/slideLayout32.xml><?xml version="1.0" encoding="utf-8"?>
+<p:sldLayout xmlns:a="http://schemas.openxmlformats.org/drawingml/2006/main" xmlns:r="http://schemas.openxmlformats.org/officeDocument/2006/relationships" xmlns:p="http://schemas.openxmlformats.org/presentationml/2006/main" type="twoObj">
+  <p:cSld name="Two Content">
+    <p:spTree>
+      <p:nvGrpSpPr>
+        <p:cNvPr id="1" name=""/>
+        <p:cNvGrpSpPr/>
+        <p:nvPr/>
+      </p:nvGrpSpPr>
+      <p:grpSpPr>
+        <a:xfrm>
+          <a:off x="0" y="0"/>
+          <a:ext cx="0" cy="0"/>
+          <a:chOff x="0" y="0"/>
+          <a:chExt cx="0" cy="0"/>
+        </a:xfrm>
+      </p:grpSpPr>
+      <p:sp>
+        <p:nvSpPr>
+          <p:cNvPr id="2" name="Title 1">
+            <a:extLst>
+              <a:ext uri="{FF2B5EF4-FFF2-40B4-BE49-F238E27FC236}">
+                <a16:creationId xmlns:a16="http://schemas.microsoft.com/office/drawing/2014/main" id="{6C86E751-FF32-4C0E-B23D-E8A850169304}"/>
+              </a:ext>
+            </a:extLst>
+          </p:cNvPr>
+          <p:cNvSpPr>
+            <a:spLocks noGrp="1"/>
+          </p:cNvSpPr>
+          <p:nvPr>
+            <p:ph type="title"/>
+          </p:nvPr>
+        </p:nvSpPr>
+        <p:spPr/>
+        <p:txBody>
+          <a:bodyPr/>
+          <a:lstStyle/>
+          <a:p>
+            <a:r>
+              <a:rPr lang="en-US"/>
+              <a:t>Click to edit Master title style</a:t>
+            </a:r>
+          </a:p>
+        </p:txBody>
+      </p:sp>
+      <p:sp>
+        <p:nvSpPr>
+          <p:cNvPr id="3" name="Content Placeholder 2">
+            <a:extLst>
+              <a:ext uri="{FF2B5EF4-FFF2-40B4-BE49-F238E27FC236}">
+                <a16:creationId xmlns:a16="http://schemas.microsoft.com/office/drawing/2014/main" id="{B466D823-4ACC-4FFC-8058-F5FA9B0461BD}"/>
+              </a:ext>
+            </a:extLst>
+          </p:cNvPr>
+          <p:cNvSpPr>
+            <a:spLocks noGrp="1"/>
+          </p:cNvSpPr>
+          <p:nvPr>
+            <p:ph sz="half" idx="1"/>
+          </p:nvPr>
+        </p:nvSpPr>
+        <p:spPr>
+          <a:xfrm>
+            <a:off x="838200" y="1825625"/>
+            <a:ext cx="5181600" cy="4351338"/>
+          </a:xfrm>
+        </p:spPr>
+        <p:txBody>
+          <a:bodyPr/>
+          <a:lstStyle/>
+          <a:p>
+            <a:pPr lvl="0"/>
+            <a:r>
+              <a:rPr lang="en-US"/>
+              <a:t>Edit Master text styles</a:t>
+            </a:r>
+          </a:p>
+          <a:p>
+            <a:pPr lvl="1"/>
+            <a:r>
+              <a:rPr lang="en-US"/>
+              <a:t>Second level</a:t>
+            </a:r>
+          </a:p>
+          <a:p>
+            <a:pPr lvl="2"/>
+            <a:r>
+              <a:rPr lang="en-US"/>
+              <a:t>Third level</a:t>
+            </a:r>
+          </a:p>
+          <a:p>
+            <a:pPr lvl="3"/>
+            <a:r>
+              <a:rPr lang="en-US"/>
+              <a:t>Fourth level</a:t>
+            </a:r>
+          </a:p>
+          <a:p>
+            <a:pPr lvl="4"/>
+            <a:r>
+              <a:rPr lang="en-US"/>
+              <a:t>Fifth level</a:t>
+            </a:r>
+          </a:p>
+        </p:txBody>
+      </p:sp>
+      <p:sp>
+        <p:nvSpPr>
+          <p:cNvPr id="4" name="Content Placeholder 3">
+            <a:extLst>
+              <a:ext uri="{FF2B5EF4-FFF2-40B4-BE49-F238E27FC236}">
+                <a16:creationId xmlns:a16="http://schemas.microsoft.com/office/drawing/2014/main" id="{ACB4F94A-38F4-4D34-9DF4-1919343AB3CD}"/>
+              </a:ext>
+            </a:extLst>
+          </p:cNvPr>
+          <p:cNvSpPr>
+            <a:spLocks noGrp="1"/>
+          </p:cNvSpPr>
+          <p:nvPr>
+            <p:ph sz="half" idx="2"/>
+          </p:nvPr>
+        </p:nvSpPr>
+        <p:spPr>
+          <a:xfrm>
+            <a:off x="6172200" y="1825625"/>
+            <a:ext cx="5181600" cy="4351338"/>
+          </a:xfrm>
+        </p:spPr>
+        <p:txBody>
+          <a:bodyPr/>
+          <a:lstStyle/>
+          <a:p>
+            <a:pPr lvl="0"/>
+            <a:r>
+              <a:rPr lang="en-US"/>
+              <a:t>Edit Master text styles</a:t>
+            </a:r>
+          </a:p>
+          <a:p>
+            <a:pPr lvl="1"/>
+            <a:r>
+              <a:rPr lang="en-US"/>
+              <a:t>Second level</a:t>
+            </a:r>
+          </a:p>
+          <a:p>
+            <a:pPr lvl="2"/>
+            <a:r>
+              <a:rPr lang="en-US"/>
+              <a:t>Third level</a:t>
+            </a:r>
+          </a:p>
+          <a:p>
+            <a:pPr lvl="3"/>
+            <a:r>
+              <a:rPr lang="en-US"/>
+              <a:t>Fourth level</a:t>
+            </a:r>
+          </a:p>
+          <a:p>
+            <a:pPr lvl="4"/>
+            <a:r>
+              <a:rPr lang="en-US"/>
+              <a:t>Fifth level</a:t>
+            </a:r>
+          </a:p>
+        </p:txBody>
+      </p:sp>
+      <p:sp>
+        <p:nvSpPr>
+          <p:cNvPr id="5" name="Date Placeholder 4">
+            <a:extLst>
+              <a:ext uri="{FF2B5EF4-FFF2-40B4-BE49-F238E27FC236}">
+                <a16:creationId xmlns:a16="http://schemas.microsoft.com/office/drawing/2014/main" id="{B1921F6F-98C6-412B-8131-6DDD97AD81AF}"/>
+              </a:ext>
+            </a:extLst>
+          </p:cNvPr>
+          <p:cNvSpPr>
+            <a:spLocks noGrp="1"/>
+          </p:cNvSpPr>
+          <p:nvPr>
+            <p:ph type="dt" sz="half" idx="10"/>
+          </p:nvPr>
+        </p:nvSpPr>
+        <p:spPr/>
+        <p:txBody>
+          <a:bodyPr/>
+          <a:lstStyle/>
+          <a:p>
+            <a:fld id="{1279C872-40C5-4778-A459-913B2790679C}" type="datetimeFigureOut">
+              <a:rPr lang="en-US" smtClean="0"/>
+              <a:t>3/4/2019</a:t>
+            </a:fld>
+            <a:endParaRPr lang="en-US"/>
+          </a:p>
+        </p:txBody>
+      </p:sp>
+      <p:sp>
+        <p:nvSpPr>
+          <p:cNvPr id="6" name="Footer Placeholder 5">
+            <a:extLst>
+              <a:ext uri="{FF2B5EF4-FFF2-40B4-BE49-F238E27FC236}">
+                <a16:creationId xmlns:a16="http://schemas.microsoft.com/office/drawing/2014/main" id="{E1204D6B-FA1C-48DE-8CF1-3C1A80D7DEDE}"/>
+              </a:ext>
+            </a:extLst>
+          </p:cNvPr>
+          <p:cNvSpPr>
+            <a:spLocks noGrp="1"/>
+          </p:cNvSpPr>
+          <p:nvPr>
+            <p:ph type="ftr" sz="quarter" idx="11"/>
+          </p:nvPr>
+        </p:nvSpPr>
+        <p:spPr/>
+        <p:txBody>
+          <a:bodyPr/>
+          <a:lstStyle/>
+          <a:p>
+            <a:endParaRPr lang="en-US"/>
+          </a:p>
+        </p:txBody>
+      </p:sp>
+      <p:sp>
+        <p:nvSpPr>
+          <p:cNvPr id="7" name="Slide Number Placeholder 6">
+            <a:extLst>
+              <a:ext uri="{FF2B5EF4-FFF2-40B4-BE49-F238E27FC236}">
+                <a16:creationId xmlns:a16="http://schemas.microsoft.com/office/drawing/2014/main" id="{414A5F98-14B2-417B-82A7-965AB53F5B90}"/>
+              </a:ext>
+            </a:extLst>
+          </p:cNvPr>
+          <p:cNvSpPr>
+            <a:spLocks noGrp="1"/>
+          </p:cNvSpPr>
+          <p:nvPr>
+            <p:ph type="sldNum" sz="quarter" idx="12"/>
+          </p:nvPr>
+        </p:nvSpPr>
+        <p:spPr/>
+        <p:txBody>
+          <a:bodyPr/>
+          <a:lstStyle/>
+          <a:p>
+            <a:fld id="{A9750100-3570-4DE3-A91F-E57EAF767500}" type="slidenum">
+              <a:rPr lang="en-US" smtClean="0"/>
+              <a:t>‹#›</a:t>
+            </a:fld>
+            <a:endParaRPr lang="en-US"/>
+          </a:p>
+        </p:txBody>
+      </p:sp>
+    </p:spTree>
+    <p:extLst>
+      <p:ext uri="{BB962C8B-B14F-4D97-AF65-F5344CB8AC3E}">
+        <p14:creationId xmlns:p14="http://schemas.microsoft.com/office/powerpoint/2010/main" val="3138259031"/>
       </p:ext>
     </p:extLst>
   </p:cSld>
@@ -13250,6 +13518,7 @@
     <p:sldLayoutId id="2147483683" r:id="rId18"/>
     <p:sldLayoutId id="2147483693" r:id="rId19"/>
     <p:sldLayoutId id="2147483694" r:id="rId20"/>
+    <p:sldLayoutId id="2147483695" r:id="rId21"/>
   </p:sldLayoutIdLst>
   <p:transition>
     <p:fade/>
@@ -13859,6 +14128,56 @@
 </p:sld>
 </file>
 
+<file path=ppt/slides/slide10.xml><?xml version="1.0" encoding="utf-8"?>
+<p:sld xmlns:a="http://schemas.openxmlformats.org/drawingml/2006/main" xmlns:r="http://schemas.openxmlformats.org/officeDocument/2006/relationships" xmlns:p="http://schemas.openxmlformats.org/presentationml/2006/main">
+  <p:cSld>
+    <p:bg>
+      <p:bgPr>
+        <a:solidFill>
+          <a:schemeClr val="bg2"/>
+        </a:solidFill>
+        <a:effectLst/>
+      </p:bgPr>
+    </p:bg>
+    <p:spTree>
+      <p:nvGrpSpPr>
+        <p:cNvPr id="1" name=""/>
+        <p:cNvGrpSpPr/>
+        <p:nvPr/>
+      </p:nvGrpSpPr>
+      <p:grpSpPr>
+        <a:xfrm>
+          <a:off x="0" y="0"/>
+          <a:ext cx="0" cy="0"/>
+          <a:chOff x="0" y="0"/>
+          <a:chExt cx="0" cy="0"/>
+        </a:xfrm>
+      </p:grpSpPr>
+    </p:spTree>
+    <p:extLst>
+      <p:ext uri="{BB962C8B-B14F-4D97-AF65-F5344CB8AC3E}">
+        <p14:creationId xmlns:p14="http://schemas.microsoft.com/office/powerpoint/2010/main" val="1897784522"/>
+      </p:ext>
+    </p:extLst>
+  </p:cSld>
+  <p:clrMapOvr>
+    <a:masterClrMapping/>
+  </p:clrMapOvr>
+  <mc:AlternateContent xmlns:mc="http://schemas.openxmlformats.org/markup-compatibility/2006" xmlns:p14="http://schemas.microsoft.com/office/powerpoint/2010/main">
+    <mc:Choice Requires="p14">
+      <p:transition spd="med" p14:dur="700">
+        <p:fade/>
+      </p:transition>
+    </mc:Choice>
+    <mc:Fallback xmlns="">
+      <p:transition spd="med">
+        <p:fade/>
+      </p:transition>
+    </mc:Fallback>
+  </mc:AlternateContent>
+</p:sld>
+</file>
+
 <file path=ppt/slides/slide2.xml><?xml version="1.0" encoding="utf-8"?>
 <p:sld xmlns:a="http://schemas.openxmlformats.org/drawingml/2006/main" xmlns:r="http://schemas.openxmlformats.org/officeDocument/2006/relationships" xmlns:p="http://schemas.openxmlformats.org/presentationml/2006/main">
   <p:cSld>
@@ -14120,7 +14439,7 @@
             <p:ph idx="1"/>
             <p:extLst>
               <p:ext uri="{D42A27DB-BD31-4B8C-83A1-F6EECF244321}">
-                <p14:modId xmlns:p14="http://schemas.microsoft.com/office/powerpoint/2010/main" val="699552592"/>
+                <p14:modId xmlns:p14="http://schemas.microsoft.com/office/powerpoint/2010/main" val="990177524"/>
               </p:ext>
             </p:extLst>
           </p:nvPr>
@@ -14186,11 +14505,8 @@
                     <a:p>
                       <a:r>
                         <a:rPr lang="en-US" sz="1800" dirty="0"/>
-                        <a:t>Pre-Lab Introduction</a:t>
+                        <a:t>Power BI Service Introduction</a:t>
                       </a:r>
-                    </a:p>
-                    <a:p>
-                      <a:endParaRPr lang="en-US" sz="1800" dirty="0"/>
                     </a:p>
                   </a:txBody>
                   <a:tcPr marL="90647" marR="90647" marT="45324" marB="45324" anchor="ctr"/>
@@ -14200,7 +14516,10 @@
                     <a:bodyPr/>
                     <a:lstStyle/>
                     <a:p>
-                      <a:endParaRPr lang="en-US" sz="1200" dirty="0"/>
+                      <a:r>
+                        <a:rPr lang="en-US" sz="1200" dirty="0"/>
+                        <a:t>This PowerPoint will discuss Power BI Service, Compare it with Power BI Desktop, and provide some additional technical information</a:t>
+                      </a:r>
                     </a:p>
                   </a:txBody>
                   <a:tcPr marL="90647" marR="90647" marT="45324" marB="45324" anchor="ctr"/>
@@ -14247,10 +14566,10 @@
       </p:grpSpPr>
       <p:sp>
         <p:nvSpPr>
-          <p:cNvPr id="4" name="Content Placeholder 3">
+          <p:cNvPr id="2" name="Text Placeholder 1">
             <a:extLst>
               <a:ext uri="{FF2B5EF4-FFF2-40B4-BE49-F238E27FC236}">
-                <a16:creationId xmlns:a16="http://schemas.microsoft.com/office/drawing/2014/main" id="{AF2C42A9-88FA-4F65-A5E5-04393337A5BD}"/>
+                <a16:creationId xmlns:a16="http://schemas.microsoft.com/office/drawing/2014/main" id="{E938890F-DC37-4940-9DC4-A0EFDED00C0C}"/>
               </a:ext>
             </a:extLst>
           </p:cNvPr>
@@ -14261,26 +14580,40 @@
             <p:ph type="body" sz="quarter" idx="10"/>
           </p:nvPr>
         </p:nvSpPr>
-        <p:spPr/>
+        <p:spPr>
+          <a:xfrm>
+            <a:off x="269239" y="1189177"/>
+            <a:ext cx="11653523" cy="461665"/>
+          </a:xfrm>
+        </p:spPr>
         <p:txBody>
-          <a:bodyPr vert="horz" lIns="91440" tIns="45720" rIns="91440" bIns="45720" rtlCol="0">
-            <a:normAutofit/>
-          </a:bodyPr>
+          <a:bodyPr/>
           <a:lstStyle/>
           <a:p>
             <a:r>
-              <a:rPr lang="en-US" sz="1400" dirty="0"/>
-              <a:t>The set of resources are ordered and grouped in a logical manner to assist in leading workshops or developing skills through self-paced materials.</a:t>
+              <a:rPr lang="en-US" sz="2000" dirty="0">
+                <a:latin typeface="+mn-lt"/>
+              </a:rPr>
+              <a:t>Power </a:t>
             </a:r>
+            <a:r>
+              <a:rPr lang="en-US" sz="2000">
+                <a:latin typeface="+mn-lt"/>
+              </a:rPr>
+              <a:t>BI Service</a:t>
+            </a:r>
+            <a:endParaRPr lang="en-US" sz="2000" dirty="0">
+              <a:latin typeface="+mn-lt"/>
+            </a:endParaRPr>
           </a:p>
         </p:txBody>
       </p:sp>
       <p:sp>
         <p:nvSpPr>
-          <p:cNvPr id="2" name="Title 1">
+          <p:cNvPr id="3" name="Title 2">
             <a:extLst>
               <a:ext uri="{FF2B5EF4-FFF2-40B4-BE49-F238E27FC236}">
-                <a16:creationId xmlns:a16="http://schemas.microsoft.com/office/drawing/2014/main" id="{4E24AFA5-27D2-4E92-A5D5-A72899EB40E5}"/>
+                <a16:creationId xmlns:a16="http://schemas.microsoft.com/office/drawing/2014/main" id="{5B8C09BD-BFC9-4976-AE4E-9A8398A41DCD}"/>
               </a:ext>
             </a:extLst>
           </p:cNvPr>
@@ -14293,32 +14626,20 @@
         </p:nvSpPr>
         <p:spPr/>
         <p:txBody>
-          <a:bodyPr vert="horz" lIns="91440" tIns="45720" rIns="91440" bIns="45720" rtlCol="0" anchor="ctr">
-            <a:normAutofit/>
-          </a:bodyPr>
+          <a:bodyPr/>
           <a:lstStyle/>
           <a:p>
             <a:r>
-              <a:rPr lang="en-US" sz="4400" b="1" dirty="0">
-                <a:latin typeface="+mn-lt"/>
-              </a:rPr>
-              <a:t>Power BI Pre-Lab</a:t>
+              <a:rPr lang="en-US" sz="4400" dirty="0"/>
+              <a:t>Power BI Service</a:t>
             </a:r>
-            <a:endParaRPr lang="en-US" sz="4400" kern="1200" dirty="0">
-              <a:solidFill>
-                <a:schemeClr val="tx1"/>
-              </a:solidFill>
-              <a:latin typeface="+mn-lt"/>
-              <a:ea typeface="+mj-ea"/>
-              <a:cs typeface="+mj-cs"/>
-            </a:endParaRPr>
           </a:p>
         </p:txBody>
       </p:sp>
     </p:spTree>
     <p:extLst>
       <p:ext uri="{BB962C8B-B14F-4D97-AF65-F5344CB8AC3E}">
-        <p14:creationId xmlns:p14="http://schemas.microsoft.com/office/powerpoint/2010/main" val="538127946"/>
+        <p14:creationId xmlns:p14="http://schemas.microsoft.com/office/powerpoint/2010/main" val="3323886695"/>
       </p:ext>
     </p:extLst>
   </p:cSld>
@@ -14350,7 +14671,48 @@
       </p:grpSpPr>
       <p:sp>
         <p:nvSpPr>
-          <p:cNvPr id="2" name="Title 1"/>
+          <p:cNvPr id="2" name="Text Placeholder 1">
+            <a:extLst>
+              <a:ext uri="{FF2B5EF4-FFF2-40B4-BE49-F238E27FC236}">
+                <a16:creationId xmlns:a16="http://schemas.microsoft.com/office/drawing/2014/main" id="{E938890F-DC37-4940-9DC4-A0EFDED00C0C}"/>
+              </a:ext>
+            </a:extLst>
+          </p:cNvPr>
+          <p:cNvSpPr>
+            <a:spLocks noGrp="1"/>
+          </p:cNvSpPr>
+          <p:nvPr>
+            <p:ph type="body" sz="quarter" idx="10"/>
+          </p:nvPr>
+        </p:nvSpPr>
+        <p:spPr>
+          <a:xfrm>
+            <a:off x="269239" y="1189177"/>
+            <a:ext cx="11653523" cy="738664"/>
+          </a:xfrm>
+        </p:spPr>
+        <p:txBody>
+          <a:bodyPr/>
+          <a:lstStyle/>
+          <a:p>
+            <a:r>
+              <a:rPr lang="en-US" sz="2000" dirty="0">
+                <a:latin typeface="+mn-lt"/>
+              </a:rPr>
+              <a:t>The Venn Diagram provides a way to easily compare and contrast the offerings available between the two platforms:</a:t>
+            </a:r>
+          </a:p>
+        </p:txBody>
+      </p:sp>
+      <p:sp>
+        <p:nvSpPr>
+          <p:cNvPr id="3" name="Title 2">
+            <a:extLst>
+              <a:ext uri="{FF2B5EF4-FFF2-40B4-BE49-F238E27FC236}">
+                <a16:creationId xmlns:a16="http://schemas.microsoft.com/office/drawing/2014/main" id="{5B8C09BD-BFC9-4976-AE4E-9A8398A41DCD}"/>
+              </a:ext>
+            </a:extLst>
+          </p:cNvPr>
           <p:cNvSpPr>
             <a:spLocks noGrp="1"/>
           </p:cNvSpPr>
@@ -14364,52 +14726,61 @@
           <a:lstStyle/>
           <a:p>
             <a:r>
-              <a:rPr lang="en-US" dirty="0">
-                <a:solidFill>
-                  <a:schemeClr val="tx1"/>
-                </a:solidFill>
-              </a:rPr>
-              <a:t>Wrap Up</a:t>
+              <a:rPr lang="en-US" sz="4400" dirty="0"/>
+              <a:t>Power BI Desktop vs Power BI Service</a:t>
             </a:r>
           </a:p>
         </p:txBody>
       </p:sp>
+      <p:pic>
+        <p:nvPicPr>
+          <p:cNvPr id="4" name="Picture 3">
+            <a:extLst>
+              <a:ext uri="{FF2B5EF4-FFF2-40B4-BE49-F238E27FC236}">
+                <a16:creationId xmlns:a16="http://schemas.microsoft.com/office/drawing/2014/main" id="{DED2F56E-2359-4105-A740-85E04BDA2D17}"/>
+              </a:ext>
+            </a:extLst>
+          </p:cNvPr>
+          <p:cNvPicPr>
+            <a:picLocks noChangeAspect="1"/>
+          </p:cNvPicPr>
+          <p:nvPr/>
+        </p:nvPicPr>
+        <p:blipFill>
+          <a:blip r:embed="rId2"/>
+          <a:stretch>
+            <a:fillRect/>
+          </a:stretch>
+        </p:blipFill>
+        <p:spPr>
+          <a:xfrm>
+            <a:off x="3285284" y="2566106"/>
+            <a:ext cx="5621431" cy="3228223"/>
+          </a:xfrm>
+          <a:prstGeom prst="rect">
+            <a:avLst/>
+          </a:prstGeom>
+        </p:spPr>
+      </p:pic>
     </p:spTree>
     <p:extLst>
       <p:ext uri="{BB962C8B-B14F-4D97-AF65-F5344CB8AC3E}">
-        <p14:creationId xmlns:p14="http://schemas.microsoft.com/office/powerpoint/2010/main" val="2714070568"/>
+        <p14:creationId xmlns:p14="http://schemas.microsoft.com/office/powerpoint/2010/main" val="31967166"/>
       </p:ext>
     </p:extLst>
   </p:cSld>
   <p:clrMapOvr>
     <a:masterClrMapping/>
   </p:clrMapOvr>
-  <mc:AlternateContent xmlns:mc="http://schemas.openxmlformats.org/markup-compatibility/2006" xmlns:p14="http://schemas.microsoft.com/office/powerpoint/2010/main">
-    <mc:Choice Requires="p14">
-      <p:transition spd="med" p14:dur="700">
-        <p:fade/>
-      </p:transition>
-    </mc:Choice>
-    <mc:Fallback xmlns="">
-      <p:transition spd="med">
-        <p:fade/>
-      </p:transition>
-    </mc:Fallback>
-  </mc:AlternateContent>
+  <p:transition>
+    <p:fade/>
+  </p:transition>
 </p:sld>
 </file>
 
 <file path=ppt/slides/slide7.xml><?xml version="1.0" encoding="utf-8"?>
 <p:sld xmlns:a="http://schemas.openxmlformats.org/drawingml/2006/main" xmlns:r="http://schemas.openxmlformats.org/officeDocument/2006/relationships" xmlns:p="http://schemas.openxmlformats.org/presentationml/2006/main">
   <p:cSld>
-    <p:bg>
-      <p:bgPr>
-        <a:solidFill>
-          <a:schemeClr val="bg2"/>
-        </a:solidFill>
-        <a:effectLst/>
-      </p:bgPr>
-    </p:bg>
     <p:spTree>
       <p:nvGrpSpPr>
         <p:cNvPr id="1" name=""/>
@@ -14424,10 +14795,660 @@
           <a:chExt cx="0" cy="0"/>
         </a:xfrm>
       </p:grpSpPr>
+      <p:sp>
+        <p:nvSpPr>
+          <p:cNvPr id="3" name="Content Placeholder 2">
+            <a:extLst>
+              <a:ext uri="{FF2B5EF4-FFF2-40B4-BE49-F238E27FC236}">
+                <a16:creationId xmlns:a16="http://schemas.microsoft.com/office/drawing/2014/main" id="{96AE7EB2-BF6D-4DD8-BF8D-3CCC6F0D5A2F}"/>
+              </a:ext>
+            </a:extLst>
+          </p:cNvPr>
+          <p:cNvSpPr>
+            <a:spLocks noGrp="1"/>
+          </p:cNvSpPr>
+          <p:nvPr>
+            <p:ph type="body" sz="quarter" idx="10"/>
+          </p:nvPr>
+        </p:nvSpPr>
+        <p:spPr>
+          <a:xfrm>
+            <a:off x="269239" y="1341575"/>
+            <a:ext cx="11653523" cy="2087425"/>
+          </a:xfrm>
+          <a:noFill/>
+        </p:spPr>
+        <p:txBody>
+          <a:bodyPr anchor="t">
+            <a:normAutofit/>
+          </a:bodyPr>
+          <a:lstStyle/>
+          <a:p>
+            <a:pPr>
+              <a:spcBef>
+                <a:spcPts val="1200"/>
+              </a:spcBef>
+              <a:spcAft>
+                <a:spcPts val="200"/>
+              </a:spcAft>
+              <a:buClr>
+                <a:schemeClr val="tx1"/>
+              </a:buClr>
+              <a:buSzPct val="100000"/>
+            </a:pPr>
+            <a:r>
+              <a:rPr lang="en-US" sz="2000" spc="200" dirty="0">
+                <a:solidFill>
+                  <a:schemeClr val="tx1"/>
+                </a:solidFill>
+                <a:latin typeface="+mn-lt"/>
+              </a:rPr>
+              <a:t>Provides cloud-based foundation for power BI platform</a:t>
+            </a:r>
+          </a:p>
+          <a:p>
+            <a:pPr marL="342900" lvl="1" indent="-342900">
+              <a:spcBef>
+                <a:spcPts val="1200"/>
+              </a:spcBef>
+              <a:spcAft>
+                <a:spcPts val="200"/>
+              </a:spcAft>
+              <a:buClr>
+                <a:schemeClr val="tx1"/>
+              </a:buClr>
+              <a:buSzPct val="100000"/>
+            </a:pPr>
+            <a:r>
+              <a:rPr lang="en-US" sz="2000" spc="200" dirty="0">
+                <a:solidFill>
+                  <a:schemeClr val="tx1"/>
+                </a:solidFill>
+              </a:rPr>
+              <a:t>Accessible with browser through </a:t>
+            </a:r>
+            <a:r>
+              <a:rPr lang="en-US" sz="2000" spc="200" dirty="0">
+                <a:solidFill>
+                  <a:schemeClr val="tx1"/>
+                </a:solidFill>
+                <a:hlinkClick r:id="rId2">
+                  <a:extLst>
+                    <a:ext uri="{A12FA001-AC4F-418D-AE19-62706E023703}">
+                      <ahyp:hlinkClr xmlns:ahyp="http://schemas.microsoft.com/office/drawing/2018/hyperlinkcolor" val="tx"/>
+                    </a:ext>
+                  </a:extLst>
+                </a:hlinkClick>
+              </a:rPr>
+              <a:t>https://app.Powerbi.Com</a:t>
+            </a:r>
+            <a:endParaRPr lang="en-US" sz="2000" spc="200" dirty="0">
+              <a:solidFill>
+                <a:schemeClr val="tx1"/>
+              </a:solidFill>
+            </a:endParaRPr>
+          </a:p>
+          <a:p>
+            <a:pPr marL="342900" lvl="1" indent="-342900">
+              <a:spcBef>
+                <a:spcPts val="1200"/>
+              </a:spcBef>
+              <a:spcAft>
+                <a:spcPts val="200"/>
+              </a:spcAft>
+              <a:buClr>
+                <a:schemeClr val="tx1"/>
+              </a:buClr>
+              <a:buSzPct val="100000"/>
+            </a:pPr>
+            <a:r>
+              <a:rPr lang="en-US" sz="2000" spc="200" dirty="0">
+                <a:solidFill>
+                  <a:schemeClr val="tx1"/>
+                </a:solidFill>
+              </a:rPr>
+              <a:t>Accessible through power BI mobile apps</a:t>
+            </a:r>
+          </a:p>
+          <a:p>
+            <a:pPr marL="342900" lvl="1" indent="-342900">
+              <a:spcBef>
+                <a:spcPts val="1200"/>
+              </a:spcBef>
+              <a:spcAft>
+                <a:spcPts val="200"/>
+              </a:spcAft>
+              <a:buClr>
+                <a:schemeClr val="tx1"/>
+              </a:buClr>
+              <a:buSzPct val="100000"/>
+            </a:pPr>
+            <a:r>
+              <a:rPr lang="en-US" sz="2000" spc="200" dirty="0">
+                <a:solidFill>
+                  <a:schemeClr val="tx1"/>
+                </a:solidFill>
+              </a:rPr>
+              <a:t>Accessible to developers through power BI service API</a:t>
+            </a:r>
+          </a:p>
+        </p:txBody>
+      </p:sp>
+      <p:sp>
+        <p:nvSpPr>
+          <p:cNvPr id="4" name="Title 1">
+            <a:extLst>
+              <a:ext uri="{FF2B5EF4-FFF2-40B4-BE49-F238E27FC236}">
+                <a16:creationId xmlns:a16="http://schemas.microsoft.com/office/drawing/2014/main" id="{2BF1DDC4-29A6-46BF-A190-D797330DF774}"/>
+              </a:ext>
+            </a:extLst>
+          </p:cNvPr>
+          <p:cNvSpPr txBox="1">
+            <a:spLocks/>
+          </p:cNvSpPr>
+          <p:nvPr/>
+        </p:nvSpPr>
+        <p:spPr>
+          <a:xfrm>
+            <a:off x="421640" y="441911"/>
+            <a:ext cx="11655840" cy="899665"/>
+          </a:xfrm>
+          <a:prstGeom prst="rect">
+            <a:avLst/>
+          </a:prstGeom>
+        </p:spPr>
+        <p:txBody>
+          <a:bodyPr vert="horz" wrap="square" lIns="91440" tIns="45720" rIns="91440" bIns="45720" rtlCol="0" anchor="ctr">
+            <a:normAutofit/>
+          </a:bodyPr>
+          <a:lstStyle>
+            <a:lvl1pPr algn="l" defTabSz="914367" rtl="0" eaLnBrk="1" latinLnBrk="0" hangingPunct="1">
+              <a:lnSpc>
+                <a:spcPct val="90000"/>
+              </a:lnSpc>
+              <a:spcBef>
+                <a:spcPct val="0"/>
+              </a:spcBef>
+              <a:buNone/>
+              <a:defRPr lang="en-US" sz="4705" b="0" kern="1200" cap="none" spc="-100" baseline="0" dirty="0" smtClean="0">
+                <a:ln w="3175">
+                  <a:noFill/>
+                </a:ln>
+                <a:gradFill>
+                  <a:gsLst>
+                    <a:gs pos="1250">
+                      <a:schemeClr val="tx1"/>
+                    </a:gs>
+                    <a:gs pos="100000">
+                      <a:schemeClr val="tx1"/>
+                    </a:gs>
+                  </a:gsLst>
+                  <a:lin ang="5400000" scaled="0"/>
+                </a:gradFill>
+                <a:effectLst/>
+                <a:latin typeface="+mj-lt"/>
+                <a:ea typeface="+mn-ea"/>
+                <a:cs typeface="Segoe UI" pitchFamily="34" charset="0"/>
+              </a:defRPr>
+            </a:lvl1pPr>
+          </a:lstStyle>
+          <a:p>
+            <a:r>
+              <a:rPr lang="en-US" sz="4400" b="1" dirty="0"/>
+              <a:t>Power BI Service</a:t>
+            </a:r>
+            <a:endParaRPr lang="en-US" sz="4400" dirty="0">
+              <a:solidFill>
+                <a:schemeClr val="tx1"/>
+              </a:solidFill>
+              <a:ea typeface="+mj-ea"/>
+              <a:cs typeface="+mj-cs"/>
+            </a:endParaRPr>
+          </a:p>
+        </p:txBody>
+      </p:sp>
     </p:spTree>
     <p:extLst>
       <p:ext uri="{BB962C8B-B14F-4D97-AF65-F5344CB8AC3E}">
-        <p14:creationId xmlns:p14="http://schemas.microsoft.com/office/powerpoint/2010/main" val="1897784522"/>
+        <p14:creationId xmlns:p14="http://schemas.microsoft.com/office/powerpoint/2010/main" val="554132283"/>
+      </p:ext>
+    </p:extLst>
+  </p:cSld>
+  <p:clrMapOvr>
+    <a:masterClrMapping/>
+  </p:clrMapOvr>
+  <p:transition>
+    <p:fade/>
+  </p:transition>
+</p:sld>
+</file>
+
+<file path=ppt/slides/slide8.xml><?xml version="1.0" encoding="utf-8"?>
+<p:sld xmlns:a="http://schemas.openxmlformats.org/drawingml/2006/main" xmlns:r="http://schemas.openxmlformats.org/officeDocument/2006/relationships" xmlns:p="http://schemas.openxmlformats.org/presentationml/2006/main">
+  <p:cSld>
+    <p:spTree>
+      <p:nvGrpSpPr>
+        <p:cNvPr id="1" name=""/>
+        <p:cNvGrpSpPr/>
+        <p:nvPr/>
+      </p:nvGrpSpPr>
+      <p:grpSpPr>
+        <a:xfrm>
+          <a:off x="0" y="0"/>
+          <a:ext cx="0" cy="0"/>
+          <a:chOff x="0" y="0"/>
+          <a:chExt cx="0" cy="0"/>
+        </a:xfrm>
+      </p:grpSpPr>
+      <p:pic>
+        <p:nvPicPr>
+          <p:cNvPr id="10" name="Content Placeholder 9">
+            <a:extLst>
+              <a:ext uri="{FF2B5EF4-FFF2-40B4-BE49-F238E27FC236}">
+                <a16:creationId xmlns:a16="http://schemas.microsoft.com/office/drawing/2014/main" id="{4431905D-18A2-4DEC-A291-3A106A2194A2}"/>
+              </a:ext>
+            </a:extLst>
+          </p:cNvPr>
+          <p:cNvPicPr>
+            <a:picLocks noGrp="1" noChangeAspect="1"/>
+          </p:cNvPicPr>
+          <p:nvPr>
+            <p:ph sz="half" idx="1"/>
+          </p:nvPr>
+        </p:nvPicPr>
+        <p:blipFill>
+          <a:blip r:embed="rId2"/>
+          <a:stretch>
+            <a:fillRect/>
+          </a:stretch>
+        </p:blipFill>
+        <p:spPr>
+          <a:xfrm>
+            <a:off x="3288583" y="4344927"/>
+            <a:ext cx="5614835" cy="847773"/>
+          </a:xfrm>
+          <a:prstGeom prst="rect">
+            <a:avLst/>
+          </a:prstGeom>
+          <a:effectLst/>
+        </p:spPr>
+      </p:pic>
+      <p:sp>
+        <p:nvSpPr>
+          <p:cNvPr id="5" name="Title 1">
+            <a:extLst>
+              <a:ext uri="{FF2B5EF4-FFF2-40B4-BE49-F238E27FC236}">
+                <a16:creationId xmlns:a16="http://schemas.microsoft.com/office/drawing/2014/main" id="{210499F7-C250-414F-A562-5ACD17A58E4A}"/>
+              </a:ext>
+            </a:extLst>
+          </p:cNvPr>
+          <p:cNvSpPr txBox="1">
+            <a:spLocks/>
+          </p:cNvSpPr>
+          <p:nvPr/>
+        </p:nvSpPr>
+        <p:spPr>
+          <a:xfrm>
+            <a:off x="421640" y="441911"/>
+            <a:ext cx="11655840" cy="899665"/>
+          </a:xfrm>
+          <a:prstGeom prst="rect">
+            <a:avLst/>
+          </a:prstGeom>
+        </p:spPr>
+        <p:txBody>
+          <a:bodyPr vert="horz" wrap="square" lIns="91440" tIns="45720" rIns="91440" bIns="45720" rtlCol="0" anchor="ctr">
+            <a:normAutofit/>
+          </a:bodyPr>
+          <a:lstStyle>
+            <a:lvl1pPr algn="l" defTabSz="914367" rtl="0" eaLnBrk="1" latinLnBrk="0" hangingPunct="1">
+              <a:lnSpc>
+                <a:spcPct val="90000"/>
+              </a:lnSpc>
+              <a:spcBef>
+                <a:spcPct val="0"/>
+              </a:spcBef>
+              <a:buNone/>
+              <a:defRPr lang="en-US" sz="4705" b="0" kern="1200" cap="none" spc="-100" baseline="0" dirty="0" smtClean="0">
+                <a:ln w="3175">
+                  <a:noFill/>
+                </a:ln>
+                <a:gradFill>
+                  <a:gsLst>
+                    <a:gs pos="1250">
+                      <a:schemeClr val="tx1"/>
+                    </a:gs>
+                    <a:gs pos="100000">
+                      <a:schemeClr val="tx1"/>
+                    </a:gs>
+                  </a:gsLst>
+                  <a:lin ang="5400000" scaled="0"/>
+                </a:gradFill>
+                <a:effectLst/>
+                <a:latin typeface="+mj-lt"/>
+                <a:ea typeface="+mn-ea"/>
+                <a:cs typeface="Segoe UI" pitchFamily="34" charset="0"/>
+              </a:defRPr>
+            </a:lvl1pPr>
+          </a:lstStyle>
+          <a:p>
+            <a:r>
+              <a:rPr lang="en-US" sz="4400" b="1" dirty="0"/>
+              <a:t>Using the Power BI Service API</a:t>
+            </a:r>
+            <a:endParaRPr lang="en-US" sz="4400" dirty="0">
+              <a:solidFill>
+                <a:schemeClr val="tx1"/>
+              </a:solidFill>
+              <a:ea typeface="+mj-ea"/>
+              <a:cs typeface="+mj-cs"/>
+            </a:endParaRPr>
+          </a:p>
+        </p:txBody>
+      </p:sp>
+      <p:sp>
+        <p:nvSpPr>
+          <p:cNvPr id="8" name="Content Placeholder 2">
+            <a:extLst>
+              <a:ext uri="{FF2B5EF4-FFF2-40B4-BE49-F238E27FC236}">
+                <a16:creationId xmlns:a16="http://schemas.microsoft.com/office/drawing/2014/main" id="{8E7FAB5A-CD30-41FB-A857-73CA438ACE8B}"/>
+              </a:ext>
+            </a:extLst>
+          </p:cNvPr>
+          <p:cNvSpPr txBox="1">
+            <a:spLocks/>
+          </p:cNvSpPr>
+          <p:nvPr/>
+        </p:nvSpPr>
+        <p:spPr>
+          <a:xfrm>
+            <a:off x="269239" y="1341576"/>
+            <a:ext cx="11653523" cy="2939070"/>
+          </a:xfrm>
+          <a:noFill/>
+        </p:spPr>
+        <p:txBody>
+          <a:bodyPr anchor="t">
+            <a:normAutofit/>
+          </a:bodyPr>
+          <a:lstStyle>
+            <a:defPPr>
+              <a:defRPr lang="en-US"/>
+            </a:defPPr>
+            <a:lvl1pPr marL="0" algn="l" defTabSz="914400" rtl="0" eaLnBrk="1" latinLnBrk="0" hangingPunct="1">
+              <a:defRPr sz="1800" kern="1200">
+                <a:solidFill>
+                  <a:schemeClr val="tx1"/>
+                </a:solidFill>
+                <a:latin typeface="+mn-lt"/>
+                <a:ea typeface="+mn-ea"/>
+                <a:cs typeface="+mn-cs"/>
+              </a:defRPr>
+            </a:lvl1pPr>
+            <a:lvl2pPr marL="457200" algn="l" defTabSz="914400" rtl="0" eaLnBrk="1" latinLnBrk="0" hangingPunct="1">
+              <a:defRPr sz="1800" kern="1200">
+                <a:solidFill>
+                  <a:schemeClr val="tx1"/>
+                </a:solidFill>
+                <a:latin typeface="+mn-lt"/>
+                <a:ea typeface="+mn-ea"/>
+                <a:cs typeface="+mn-cs"/>
+              </a:defRPr>
+            </a:lvl2pPr>
+            <a:lvl3pPr marL="914400" algn="l" defTabSz="914400" rtl="0" eaLnBrk="1" latinLnBrk="0" hangingPunct="1">
+              <a:defRPr sz="1800" kern="1200">
+                <a:solidFill>
+                  <a:schemeClr val="tx1"/>
+                </a:solidFill>
+                <a:latin typeface="+mn-lt"/>
+                <a:ea typeface="+mn-ea"/>
+                <a:cs typeface="+mn-cs"/>
+              </a:defRPr>
+            </a:lvl3pPr>
+            <a:lvl4pPr marL="1371600" algn="l" defTabSz="914400" rtl="0" eaLnBrk="1" latinLnBrk="0" hangingPunct="1">
+              <a:defRPr sz="1800" kern="1200">
+                <a:solidFill>
+                  <a:schemeClr val="tx1"/>
+                </a:solidFill>
+                <a:latin typeface="+mn-lt"/>
+                <a:ea typeface="+mn-ea"/>
+                <a:cs typeface="+mn-cs"/>
+              </a:defRPr>
+            </a:lvl4pPr>
+            <a:lvl5pPr marL="1828800" algn="l" defTabSz="914400" rtl="0" eaLnBrk="1" latinLnBrk="0" hangingPunct="1">
+              <a:defRPr sz="1800" kern="1200">
+                <a:solidFill>
+                  <a:schemeClr val="tx1"/>
+                </a:solidFill>
+                <a:latin typeface="+mn-lt"/>
+                <a:ea typeface="+mn-ea"/>
+                <a:cs typeface="+mn-cs"/>
+              </a:defRPr>
+            </a:lvl5pPr>
+            <a:lvl6pPr marL="2286000" algn="l" defTabSz="914400" rtl="0" eaLnBrk="1" latinLnBrk="0" hangingPunct="1">
+              <a:defRPr sz="1800" kern="1200">
+                <a:solidFill>
+                  <a:schemeClr val="tx1"/>
+                </a:solidFill>
+                <a:latin typeface="+mn-lt"/>
+                <a:ea typeface="+mn-ea"/>
+                <a:cs typeface="+mn-cs"/>
+              </a:defRPr>
+            </a:lvl6pPr>
+            <a:lvl7pPr marL="2743200" algn="l" defTabSz="914400" rtl="0" eaLnBrk="1" latinLnBrk="0" hangingPunct="1">
+              <a:defRPr sz="1800" kern="1200">
+                <a:solidFill>
+                  <a:schemeClr val="tx1"/>
+                </a:solidFill>
+                <a:latin typeface="+mn-lt"/>
+                <a:ea typeface="+mn-ea"/>
+                <a:cs typeface="+mn-cs"/>
+              </a:defRPr>
+            </a:lvl7pPr>
+            <a:lvl8pPr marL="3200400" algn="l" defTabSz="914400" rtl="0" eaLnBrk="1" latinLnBrk="0" hangingPunct="1">
+              <a:defRPr sz="1800" kern="1200">
+                <a:solidFill>
+                  <a:schemeClr val="tx1"/>
+                </a:solidFill>
+                <a:latin typeface="+mn-lt"/>
+                <a:ea typeface="+mn-ea"/>
+                <a:cs typeface="+mn-cs"/>
+              </a:defRPr>
+            </a:lvl8pPr>
+            <a:lvl9pPr marL="3657600" algn="l" defTabSz="914400" rtl="0" eaLnBrk="1" latinLnBrk="0" hangingPunct="1">
+              <a:defRPr sz="1800" kern="1200">
+                <a:solidFill>
+                  <a:schemeClr val="tx1"/>
+                </a:solidFill>
+                <a:latin typeface="+mn-lt"/>
+                <a:ea typeface="+mn-ea"/>
+                <a:cs typeface="+mn-cs"/>
+              </a:defRPr>
+            </a:lvl9pPr>
+          </a:lstStyle>
+          <a:p>
+            <a:pPr marL="342900" indent="-342900">
+              <a:spcBef>
+                <a:spcPts val="1200"/>
+              </a:spcBef>
+              <a:spcAft>
+                <a:spcPts val="200"/>
+              </a:spcAft>
+              <a:buClr>
+                <a:schemeClr val="tx1"/>
+              </a:buClr>
+              <a:buSzPct val="100000"/>
+              <a:buFont typeface="Arial" panose="020B0604020202020204" pitchFamily="34" charset="0"/>
+              <a:buChar char="•"/>
+            </a:pPr>
+            <a:r>
+              <a:rPr lang="en-US" sz="2000" spc="200" dirty="0"/>
+              <a:t>Accessible by making direct REST calls against service</a:t>
+            </a:r>
+          </a:p>
+          <a:p>
+            <a:pPr marL="342900" indent="-342900">
+              <a:spcBef>
+                <a:spcPts val="1200"/>
+              </a:spcBef>
+              <a:spcAft>
+                <a:spcPts val="200"/>
+              </a:spcAft>
+              <a:buClr>
+                <a:schemeClr val="tx1"/>
+              </a:buClr>
+              <a:buSzPct val="100000"/>
+              <a:buFont typeface="Arial" panose="020B0604020202020204" pitchFamily="34" charset="0"/>
+              <a:buChar char="•"/>
+            </a:pPr>
+            <a:r>
+              <a:rPr lang="en-US" sz="2000" spc="200" dirty="0"/>
+              <a:t>Accessible by using assembly DLL that abstracts away REST calls</a:t>
+            </a:r>
+          </a:p>
+          <a:p>
+            <a:pPr marL="342900" indent="-342900">
+              <a:spcBef>
+                <a:spcPts val="1200"/>
+              </a:spcBef>
+              <a:spcAft>
+                <a:spcPts val="200"/>
+              </a:spcAft>
+              <a:buClr>
+                <a:schemeClr val="tx1"/>
+              </a:buClr>
+              <a:buSzPct val="100000"/>
+              <a:buFont typeface="Arial" panose="020B0604020202020204" pitchFamily="34" charset="0"/>
+              <a:buChar char="•"/>
+            </a:pPr>
+            <a:r>
+              <a:rPr lang="en-US" sz="2000" spc="200" dirty="0"/>
+              <a:t>Assembly DLL is named </a:t>
+            </a:r>
+            <a:r>
+              <a:rPr lang="en-US" sz="2000" spc="200" dirty="0" err="1"/>
+              <a:t>microsoft.Powerbi.Api.Dll</a:t>
+            </a:r>
+            <a:endParaRPr lang="en-US" sz="2000" spc="200" dirty="0"/>
+          </a:p>
+          <a:p>
+            <a:pPr marL="342900" indent="-342900">
+              <a:spcBef>
+                <a:spcPts val="1200"/>
+              </a:spcBef>
+              <a:spcAft>
+                <a:spcPts val="200"/>
+              </a:spcAft>
+              <a:buClr>
+                <a:schemeClr val="tx1"/>
+              </a:buClr>
+              <a:buSzPct val="100000"/>
+              <a:buFont typeface="Arial" panose="020B0604020202020204" pitchFamily="34" charset="0"/>
+              <a:buChar char="•"/>
+            </a:pPr>
+            <a:r>
+              <a:rPr lang="en-US" sz="2000" spc="200" dirty="0"/>
+              <a:t>Assembly DLL part of </a:t>
+            </a:r>
+            <a:r>
+              <a:rPr lang="en-US" sz="2000" spc="200" dirty="0" err="1"/>
+              <a:t>nuget</a:t>
+            </a:r>
+            <a:r>
+              <a:rPr lang="en-US" sz="2000" spc="200" dirty="0"/>
+              <a:t> package (</a:t>
+            </a:r>
+            <a:r>
+              <a:rPr lang="en-US" sz="2000" spc="200" dirty="0" err="1"/>
+              <a:t>microsoft.Powerbi.Api</a:t>
+            </a:r>
+            <a:r>
+              <a:rPr lang="en-US" sz="2000" spc="200" dirty="0"/>
+              <a:t>)</a:t>
+            </a:r>
+          </a:p>
+          <a:p>
+            <a:pPr marL="342900" indent="-342900">
+              <a:spcBef>
+                <a:spcPts val="1200"/>
+              </a:spcBef>
+              <a:spcAft>
+                <a:spcPts val="200"/>
+              </a:spcAft>
+              <a:buClr>
+                <a:schemeClr val="tx1"/>
+              </a:buClr>
+              <a:buSzPct val="100000"/>
+              <a:buFont typeface="Arial" panose="020B0604020202020204" pitchFamily="34" charset="0"/>
+              <a:buChar char="•"/>
+            </a:pPr>
+            <a:r>
+              <a:rPr lang="en-US" sz="2000" spc="200" dirty="0"/>
+              <a:t>Calling service requires authentication with azure active directory</a:t>
+            </a:r>
+          </a:p>
+        </p:txBody>
+      </p:sp>
+    </p:spTree>
+    <p:extLst>
+      <p:ext uri="{BB962C8B-B14F-4D97-AF65-F5344CB8AC3E}">
+        <p14:creationId xmlns:p14="http://schemas.microsoft.com/office/powerpoint/2010/main" val="1187988966"/>
+      </p:ext>
+    </p:extLst>
+  </p:cSld>
+  <p:clrMapOvr>
+    <a:masterClrMapping/>
+  </p:clrMapOvr>
+</p:sld>
+</file>
+
+<file path=ppt/slides/slide9.xml><?xml version="1.0" encoding="utf-8"?>
+<p:sld xmlns:a="http://schemas.openxmlformats.org/drawingml/2006/main" xmlns:r="http://schemas.openxmlformats.org/officeDocument/2006/relationships" xmlns:p="http://schemas.openxmlformats.org/presentationml/2006/main">
+  <p:cSld>
+    <p:spTree>
+      <p:nvGrpSpPr>
+        <p:cNvPr id="1" name=""/>
+        <p:cNvGrpSpPr/>
+        <p:nvPr/>
+      </p:nvGrpSpPr>
+      <p:grpSpPr>
+        <a:xfrm>
+          <a:off x="0" y="0"/>
+          <a:ext cx="0" cy="0"/>
+          <a:chOff x="0" y="0"/>
+          <a:chExt cx="0" cy="0"/>
+        </a:xfrm>
+      </p:grpSpPr>
+      <p:sp>
+        <p:nvSpPr>
+          <p:cNvPr id="2" name="Title 1"/>
+          <p:cNvSpPr>
+            <a:spLocks noGrp="1"/>
+          </p:cNvSpPr>
+          <p:nvPr>
+            <p:ph type="title"/>
+          </p:nvPr>
+        </p:nvSpPr>
+        <p:spPr/>
+        <p:txBody>
+          <a:bodyPr/>
+          <a:lstStyle/>
+          <a:p>
+            <a:r>
+              <a:rPr lang="en-US" dirty="0">
+                <a:solidFill>
+                  <a:schemeClr val="tx1"/>
+                </a:solidFill>
+              </a:rPr>
+              <a:t>Wrap Up</a:t>
+            </a:r>
+          </a:p>
+        </p:txBody>
+      </p:sp>
+    </p:spTree>
+    <p:extLst>
+      <p:ext uri="{BB962C8B-B14F-4D97-AF65-F5344CB8AC3E}">
+        <p14:creationId xmlns:p14="http://schemas.microsoft.com/office/powerpoint/2010/main" val="2714070568"/>
       </p:ext>
     </p:extLst>
   </p:cSld>
@@ -15315,15 +16336,6 @@
 </file>
 
 <file path=customXml/item1.xml><?xml version="1.0" encoding="utf-8"?>
-<p:properties xmlns:p="http://schemas.microsoft.com/office/2006/metadata/properties" xmlns:xsi="http://www.w3.org/2001/XMLSchema-instance" xmlns:pc="http://schemas.microsoft.com/office/infopath/2007/PartnerControls">
-  <documentManagement>
-    <_ip_UnifiedCompliancePolicyUIAction xmlns="http://schemas.microsoft.com/sharepoint/v3" xsi:nil="true"/>
-    <_ip_UnifiedCompliancePolicyProperties xmlns="http://schemas.microsoft.com/sharepoint/v3" xsi:nil="true"/>
-  </documentManagement>
-</p:properties>
-</file>
-
-<file path=customXml/item2.xml><?xml version="1.0" encoding="utf-8"?>
 <ct:contentTypeSchema xmlns:ct="http://schemas.microsoft.com/office/2006/metadata/contentType" xmlns:ma="http://schemas.microsoft.com/office/2006/metadata/properties/metaAttributes" ct:_="" ma:_="" ma:contentTypeName="Document" ma:contentTypeID="0x010100D15DFA3690A15B4081582BBCC6BEAC3E" ma:contentTypeVersion="9" ma:contentTypeDescription="Create a new document." ma:contentTypeScope="" ma:versionID="642da1784587cbe85a7fdbbe4dc36103">
   <xsd:schema xmlns:xsd="http://www.w3.org/2001/XMLSchema" xmlns:xs="http://www.w3.org/2001/XMLSchema" xmlns:p="http://schemas.microsoft.com/office/2006/metadata/properties" xmlns:ns1="http://schemas.microsoft.com/sharepoint/v3" xmlns:ns2="2023ac63-7b75-4916-a9ee-591457758eee" xmlns:ns3="d9c797ad-d7c3-4982-82b7-81352a75e4a5" targetNamespace="http://schemas.microsoft.com/office/2006/metadata/properties" ma:root="true" ma:fieldsID="91198b0246576053cc55dd2c67035a89" ns1:_="" ns2:_="" ns3:_="">
     <xsd:import namespace="http://schemas.microsoft.com/sharepoint/v3"/>
@@ -15525,7 +16537,7 @@
 </ct:contentTypeSchema>
 </file>
 
-<file path=customXml/item3.xml><?xml version="1.0" encoding="utf-8"?>
+<file path=customXml/item2.xml><?xml version="1.0" encoding="utf-8"?>
 <?mso-contentType ?>
 <FormTemplates xmlns="http://schemas.microsoft.com/sharepoint/v3/contenttype/forms">
   <Display>DocumentLibraryForm</Display>
@@ -15534,25 +16546,16 @@
 </FormTemplates>
 </file>
 
-<file path=customXml/itemProps1.xml><?xml version="1.0" encoding="utf-8"?>
-<ds:datastoreItem xmlns:ds="http://schemas.openxmlformats.org/officeDocument/2006/customXml" ds:itemID="{BAF7D529-36AB-45DA-B239-2F912F2D1610}">
-  <ds:schemaRefs>
-    <ds:schemaRef ds:uri="http://schemas.microsoft.com/office/2006/metadata/properties"/>
-    <ds:schemaRef ds:uri="d9c797ad-d7c3-4982-82b7-81352a75e4a5"/>
-    <ds:schemaRef ds:uri="http://purl.org/dc/terms/"/>
-    <ds:schemaRef ds:uri="2023ac63-7b75-4916-a9ee-591457758eee"/>
-    <ds:schemaRef ds:uri="http://purl.org/dc/elements/1.1/"/>
-    <ds:schemaRef ds:uri="http://schemas.openxmlformats.org/package/2006/metadata/core-properties"/>
-    <ds:schemaRef ds:uri="http://purl.org/dc/dcmitype/"/>
-    <ds:schemaRef ds:uri="http://schemas.microsoft.com/office/2006/documentManagement/types"/>
-    <ds:schemaRef ds:uri="http://schemas.microsoft.com/office/infopath/2007/PartnerControls"/>
-    <ds:schemaRef ds:uri="http://schemas.microsoft.com/sharepoint/v3"/>
-    <ds:schemaRef ds:uri="http://www.w3.org/XML/1998/namespace"/>
-  </ds:schemaRefs>
-</ds:datastoreItem>
+<file path=customXml/item3.xml><?xml version="1.0" encoding="utf-8"?>
+<p:properties xmlns:p="http://schemas.microsoft.com/office/2006/metadata/properties" xmlns:xsi="http://www.w3.org/2001/XMLSchema-instance" xmlns:pc="http://schemas.microsoft.com/office/infopath/2007/PartnerControls">
+  <documentManagement>
+    <_ip_UnifiedCompliancePolicyUIAction xmlns="http://schemas.microsoft.com/sharepoint/v3" xsi:nil="true"/>
+    <_ip_UnifiedCompliancePolicyProperties xmlns="http://schemas.microsoft.com/sharepoint/v3" xsi:nil="true"/>
+  </documentManagement>
+</p:properties>
 </file>
 
-<file path=customXml/itemProps2.xml><?xml version="1.0" encoding="utf-8"?>
+<file path=customXml/itemProps1.xml><?xml version="1.0" encoding="utf-8"?>
 <ds:datastoreItem xmlns:ds="http://schemas.openxmlformats.org/officeDocument/2006/customXml" ds:itemID="{255F5BEB-6AD6-480A-8556-C80C5EBC10F2}">
   <ds:schemaRefs>
     <ds:schemaRef ds:uri="http://schemas.microsoft.com/office/2006/metadata/contentType"/>
@@ -15572,10 +16575,28 @@
 </ds:datastoreItem>
 </file>
 
-<file path=customXml/itemProps3.xml><?xml version="1.0" encoding="utf-8"?>
+<file path=customXml/itemProps2.xml><?xml version="1.0" encoding="utf-8"?>
 <ds:datastoreItem xmlns:ds="http://schemas.openxmlformats.org/officeDocument/2006/customXml" ds:itemID="{F18501AF-04CF-4482-BAE1-607B49DDC378}">
   <ds:schemaRefs>
     <ds:schemaRef ds:uri="http://schemas.microsoft.com/sharepoint/v3/contenttype/forms"/>
   </ds:schemaRefs>
 </ds:datastoreItem>
+</file>
+
+<file path=customXml/itemProps3.xml><?xml version="1.0" encoding="utf-8"?>
+<ds:datastoreItem xmlns:ds="http://schemas.openxmlformats.org/officeDocument/2006/customXml" ds:itemID="{BAF7D529-36AB-45DA-B239-2F912F2D1610}">
+  <ds:schemaRefs>
+    <ds:schemaRef ds:uri="http://schemas.microsoft.com/office/2006/metadata/properties"/>
+    <ds:schemaRef ds:uri="d9c797ad-d7c3-4982-82b7-81352a75e4a5"/>
+    <ds:schemaRef ds:uri="http://purl.org/dc/terms/"/>
+    <ds:schemaRef ds:uri="2023ac63-7b75-4916-a9ee-591457758eee"/>
+    <ds:schemaRef ds:uri="http://purl.org/dc/elements/1.1/"/>
+    <ds:schemaRef ds:uri="http://schemas.openxmlformats.org/package/2006/metadata/core-properties"/>
+    <ds:schemaRef ds:uri="http://purl.org/dc/dcmitype/"/>
+    <ds:schemaRef ds:uri="http://schemas.microsoft.com/office/2006/documentManagement/types"/>
+    <ds:schemaRef ds:uri="http://schemas.microsoft.com/office/infopath/2007/PartnerControls"/>
+    <ds:schemaRef ds:uri="http://schemas.microsoft.com/sharepoint/v3"/>
+    <ds:schemaRef ds:uri="http://www.w3.org/XML/1998/namespace"/>
+  </ds:schemaRefs>
+</ds:datastoreItem>
 </file>